--- a/report/teresa/utilization_slides.pptx
+++ b/report/teresa/utilization_slides.pptx
@@ -665,6 +665,9 @@
                 <c:pt idx="0">
                   <c:v>0</c:v>
                 </c:pt>
+                <c:pt idx="1">
+                  <c:v>0</c:v>
+                </c:pt>
               </c:numCache>
             </c:numRef>
           </c:val>
@@ -1152,6 +1155,9 @@
                 <c:pt idx="0">
                   <c:v>0</c:v>
                 </c:pt>
+                <c:pt idx="1">
+                  <c:v>0</c:v>
+                </c:pt>
               </c:numCache>
             </c:numRef>
           </c:val>
@@ -1639,6 +1645,9 @@
                 <c:pt idx="0">
                   <c:v>61</c:v>
                 </c:pt>
+                <c:pt idx="1">
+                  <c:v>56</c:v>
+                </c:pt>
               </c:numCache>
             </c:numRef>
           </c:val>
@@ -2126,6 +2135,9 @@
                 <c:pt idx="0">
                   <c:v>1</c:v>
                 </c:pt>
+                <c:pt idx="1">
+                  <c:v>0</c:v>
+                </c:pt>
               </c:numCache>
             </c:numRef>
           </c:val>
@@ -2613,6 +2625,9 @@
                 <c:pt idx="0">
                   <c:v>1312</c:v>
                 </c:pt>
+                <c:pt idx="1">
+                  <c:v>1411</c:v>
+                </c:pt>
               </c:numCache>
             </c:numRef>
           </c:val>
@@ -3100,6 +3115,9 @@
                 <c:pt idx="0">
                   <c:v>42</c:v>
                 </c:pt>
+                <c:pt idx="1">
+                  <c:v>21</c:v>
+                </c:pt>
               </c:numCache>
             </c:numRef>
           </c:val>
@@ -3587,6 +3605,9 @@
                 <c:pt idx="0">
                   <c:v>1</c:v>
                 </c:pt>
+                <c:pt idx="1">
+                  <c:v>0</c:v>
+                </c:pt>
               </c:numCache>
             </c:numRef>
           </c:val>
@@ -4074,6 +4095,9 @@
                 <c:pt idx="0">
                   <c:v>42</c:v>
                 </c:pt>
+                <c:pt idx="1">
+                  <c:v>35</c:v>
+                </c:pt>
               </c:numCache>
             </c:numRef>
           </c:val>
@@ -4561,6 +4585,9 @@
                 <c:pt idx="0">
                   <c:v>0</c:v>
                 </c:pt>
+                <c:pt idx="1">
+                  <c:v>0</c:v>
+                </c:pt>
               </c:numCache>
             </c:numRef>
           </c:val>
@@ -5048,6 +5075,9 @@
                 <c:pt idx="0">
                   <c:v>2</c:v>
                 </c:pt>
+                <c:pt idx="1">
+                  <c:v>0</c:v>
+                </c:pt>
               </c:numCache>
             </c:numRef>
           </c:val>
@@ -5535,6 +5565,9 @@
                 <c:pt idx="0">
                   <c:v>5</c:v>
                 </c:pt>
+                <c:pt idx="1">
+                  <c:v>0</c:v>
+                </c:pt>
               </c:numCache>
             </c:numRef>
           </c:val>
@@ -6022,6 +6055,9 @@
                 <c:pt idx="0">
                   <c:v>18</c:v>
                 </c:pt>
+                <c:pt idx="1">
+                  <c:v>18</c:v>
+                </c:pt>
               </c:numCache>
             </c:numRef>
           </c:val>
@@ -6509,6 +6545,9 @@
                 <c:pt idx="0">
                   <c:v>276</c:v>
                 </c:pt>
+                <c:pt idx="1">
+                  <c:v>140</c:v>
+                </c:pt>
               </c:numCache>
             </c:numRef>
           </c:val>
@@ -6996,6 +7035,9 @@
                 <c:pt idx="0">
                   <c:v>131</c:v>
                 </c:pt>
+                <c:pt idx="1">
+                  <c:v>106</c:v>
+                </c:pt>
               </c:numCache>
             </c:numRef>
           </c:val>
@@ -7483,6 +7525,9 @@
                 <c:pt idx="0">
                   <c:v>114</c:v>
                 </c:pt>
+                <c:pt idx="1">
+                  <c:v>151</c:v>
+                </c:pt>
               </c:numCache>
             </c:numRef>
           </c:val>
@@ -7970,6 +8015,9 @@
                 <c:pt idx="0">
                   <c:v>2</c:v>
                 </c:pt>
+                <c:pt idx="1">
+                  <c:v>10</c:v>
+                </c:pt>
               </c:numCache>
             </c:numRef>
           </c:val>
@@ -8457,6 +8505,9 @@
                 <c:pt idx="0">
                   <c:v>51</c:v>
                 </c:pt>
+                <c:pt idx="1">
+                  <c:v>57</c:v>
+                </c:pt>
               </c:numCache>
             </c:numRef>
           </c:val>
@@ -8944,6 +8995,9 @@
                 <c:pt idx="0">
                   <c:v>862</c:v>
                 </c:pt>
+                <c:pt idx="1">
+                  <c:v>846</c:v>
+                </c:pt>
               </c:numCache>
             </c:numRef>
           </c:val>
@@ -9431,6 +9485,9 @@
                 <c:pt idx="0">
                   <c:v>552</c:v>
                 </c:pt>
+                <c:pt idx="1">
+                  <c:v>365</c:v>
+                </c:pt>
               </c:numCache>
             </c:numRef>
           </c:val>
@@ -9918,6 +9975,9 @@
                 <c:pt idx="0">
                   <c:v>1754</c:v>
                 </c:pt>
+                <c:pt idx="1">
+                  <c:v>2120</c:v>
+                </c:pt>
               </c:numCache>
             </c:numRef>
           </c:val>
@@ -10405,6 +10465,9 @@
                 <c:pt idx="0">
                   <c:v>3</c:v>
                 </c:pt>
+                <c:pt idx="1">
+                  <c:v>3</c:v>
+                </c:pt>
               </c:numCache>
             </c:numRef>
           </c:val>
@@ -10892,6 +10955,9 @@
                 <c:pt idx="0">
                   <c:v>0</c:v>
                 </c:pt>
+                <c:pt idx="1">
+                  <c:v>15</c:v>
+                </c:pt>
               </c:numCache>
             </c:numRef>
           </c:val>
@@ -11379,6 +11445,9 @@
                 <c:pt idx="0">
                   <c:v>26</c:v>
                 </c:pt>
+                <c:pt idx="1">
+                  <c:v>23</c:v>
+                </c:pt>
               </c:numCache>
             </c:numRef>
           </c:val>
@@ -11866,6 +11935,9 @@
                 <c:pt idx="0">
                   <c:v>370</c:v>
                 </c:pt>
+                <c:pt idx="1">
+                  <c:v>187</c:v>
+                </c:pt>
               </c:numCache>
             </c:numRef>
           </c:val>
@@ -12353,6 +12425,9 @@
                 <c:pt idx="0">
                   <c:v>996</c:v>
                 </c:pt>
+                <c:pt idx="1">
+                  <c:v>982</c:v>
+                </c:pt>
               </c:numCache>
             </c:numRef>
           </c:val>
@@ -12840,6 +12915,9 @@
                 <c:pt idx="0">
                   <c:v>416</c:v>
                 </c:pt>
+                <c:pt idx="1">
+                  <c:v>439</c:v>
+                </c:pt>
               </c:numCache>
             </c:numRef>
           </c:val>
@@ -13327,6 +13405,9 @@
                 <c:pt idx="0">
                   <c:v>309</c:v>
                 </c:pt>
+                <c:pt idx="1">
+                  <c:v>177</c:v>
+                </c:pt>
               </c:numCache>
             </c:numRef>
           </c:val>
@@ -13814,6 +13895,9 @@
                 <c:pt idx="0">
                   <c:v>0</c:v>
                 </c:pt>
+                <c:pt idx="1">
+                  <c:v>4</c:v>
+                </c:pt>
               </c:numCache>
             </c:numRef>
           </c:val>
@@ -14301,6 +14385,9 @@
                 <c:pt idx="0">
                   <c:v>1</c:v>
                 </c:pt>
+                <c:pt idx="1">
+                  <c:v>0</c:v>
+                </c:pt>
               </c:numCache>
             </c:numRef>
           </c:val>
@@ -14788,6 +14875,9 @@
                 <c:pt idx="0">
                   <c:v>2</c:v>
                 </c:pt>
+                <c:pt idx="1">
+                  <c:v>0</c:v>
+                </c:pt>
               </c:numCache>
             </c:numRef>
           </c:val>
@@ -15275,6 +15365,9 @@
                 <c:pt idx="0">
                   <c:v>0</c:v>
                 </c:pt>
+                <c:pt idx="1">
+                  <c:v>0</c:v>
+                </c:pt>
               </c:numCache>
             </c:numRef>
           </c:val>
@@ -15762,6 +15855,9 @@
                 <c:pt idx="0">
                   <c:v>45</c:v>
                 </c:pt>
+                <c:pt idx="1">
+                  <c:v>0</c:v>
+                </c:pt>
               </c:numCache>
             </c:numRef>
           </c:val>
@@ -16249,6 +16345,9 @@
                 <c:pt idx="0">
                   <c:v>0</c:v>
                 </c:pt>
+                <c:pt idx="1">
+                  <c:v>0</c:v>
+                </c:pt>
               </c:numCache>
             </c:numRef>
           </c:val>
@@ -16736,6 +16835,9 @@
                 <c:pt idx="0">
                   <c:v>9</c:v>
                 </c:pt>
+                <c:pt idx="1">
+                  <c:v>8</c:v>
+                </c:pt>
               </c:numCache>
             </c:numRef>
           </c:val>
@@ -17223,6 +17325,9 @@
                 <c:pt idx="0">
                   <c:v>1</c:v>
                 </c:pt>
+                <c:pt idx="1">
+                  <c:v>8</c:v>
+                </c:pt>
               </c:numCache>
             </c:numRef>
           </c:val>
@@ -17710,6 +17815,9 @@
                 <c:pt idx="0">
                   <c:v>54</c:v>
                 </c:pt>
+                <c:pt idx="1">
+                  <c:v>30</c:v>
+                </c:pt>
               </c:numCache>
             </c:numRef>
           </c:val>
@@ -18197,6 +18305,9 @@
                 <c:pt idx="0">
                   <c:v>0</c:v>
                 </c:pt>
+                <c:pt idx="1">
+                  <c:v>0</c:v>
+                </c:pt>
               </c:numCache>
             </c:numRef>
           </c:val>
@@ -18684,6 +18795,9 @@
                 <c:pt idx="0">
                   <c:v>37</c:v>
                 </c:pt>
+                <c:pt idx="1">
+                  <c:v>17</c:v>
+                </c:pt>
               </c:numCache>
             </c:numRef>
           </c:val>
@@ -19171,6 +19285,9 @@
                 <c:pt idx="0">
                   <c:v>0</c:v>
                 </c:pt>
+                <c:pt idx="1">
+                  <c:v>0</c:v>
+                </c:pt>
               </c:numCache>
             </c:numRef>
           </c:val>
@@ -19658,6 +19775,9 @@
                 <c:pt idx="0">
                   <c:v>0</c:v>
                 </c:pt>
+                <c:pt idx="1">
+                  <c:v>5</c:v>
+                </c:pt>
               </c:numCache>
             </c:numRef>
           </c:val>
@@ -20145,6 +20265,9 @@
                 <c:pt idx="0">
                   <c:v>0</c:v>
                 </c:pt>
+                <c:pt idx="1">
+                  <c:v>0</c:v>
+                </c:pt>
               </c:numCache>
             </c:numRef>
           </c:val>
@@ -20632,6 +20755,9 @@
                 <c:pt idx="0">
                   <c:v>0</c:v>
                 </c:pt>
+                <c:pt idx="1">
+                  <c:v>0</c:v>
+                </c:pt>
               </c:numCache>
             </c:numRef>
           </c:val>
@@ -21119,6 +21245,9 @@
                 <c:pt idx="0">
                   <c:v>0</c:v>
                 </c:pt>
+                <c:pt idx="1">
+                  <c:v>0</c:v>
+                </c:pt>
               </c:numCache>
             </c:numRef>
           </c:val>
@@ -21606,6 +21735,9 @@
                 <c:pt idx="0">
                   <c:v>0</c:v>
                 </c:pt>
+                <c:pt idx="1">
+                  <c:v>0</c:v>
+                </c:pt>
               </c:numCache>
             </c:numRef>
           </c:val>
@@ -22093,6 +22225,9 @@
                 <c:pt idx="0">
                   <c:v>0</c:v>
                 </c:pt>
+                <c:pt idx="1">
+                  <c:v>0</c:v>
+                </c:pt>
               </c:numCache>
             </c:numRef>
           </c:val>
@@ -22580,6 +22715,9 @@
                 <c:pt idx="0">
                   <c:v>0</c:v>
                 </c:pt>
+                <c:pt idx="1">
+                  <c:v>0</c:v>
+                </c:pt>
               </c:numCache>
             </c:numRef>
           </c:val>
@@ -23067,6 +23205,9 @@
                 <c:pt idx="0">
                   <c:v>5</c:v>
                 </c:pt>
+                <c:pt idx="1">
+                  <c:v>12</c:v>
+                </c:pt>
               </c:numCache>
             </c:numRef>
           </c:val>
@@ -23554,6 +23695,9 @@
                 <c:pt idx="0">
                   <c:v>12</c:v>
                 </c:pt>
+                <c:pt idx="1">
+                  <c:v>24</c:v>
+                </c:pt>
               </c:numCache>
             </c:numRef>
           </c:val>
@@ -24041,6 +24185,9 @@
                 <c:pt idx="0">
                   <c:v>0</c:v>
                 </c:pt>
+                <c:pt idx="1">
+                  <c:v>0</c:v>
+                </c:pt>
               </c:numCache>
             </c:numRef>
           </c:val>
@@ -24528,6 +24675,9 @@
                 <c:pt idx="0">
                   <c:v>0</c:v>
                 </c:pt>
+                <c:pt idx="1">
+                  <c:v>0</c:v>
+                </c:pt>
               </c:numCache>
             </c:numRef>
           </c:val>
@@ -25015,6 +25165,9 @@
                 <c:pt idx="0">
                   <c:v>284</c:v>
                 </c:pt>
+                <c:pt idx="1">
+                  <c:v>199</c:v>
+                </c:pt>
               </c:numCache>
             </c:numRef>
           </c:val>
@@ -25502,6 +25655,9 @@
                 <c:pt idx="0">
                   <c:v>0</c:v>
                 </c:pt>
+                <c:pt idx="1">
+                  <c:v>18</c:v>
+                </c:pt>
               </c:numCache>
             </c:numRef>
           </c:val>
@@ -25989,6 +26145,9 @@
                 <c:pt idx="0">
                   <c:v>19</c:v>
                 </c:pt>
+                <c:pt idx="1">
+                  <c:v>3</c:v>
+                </c:pt>
               </c:numCache>
             </c:numRef>
           </c:val>
@@ -26476,6 +26635,9 @@
                 <c:pt idx="0">
                   <c:v>0</c:v>
                 </c:pt>
+                <c:pt idx="1">
+                  <c:v>0</c:v>
+                </c:pt>
               </c:numCache>
             </c:numRef>
           </c:val>
@@ -26963,6 +27125,9 @@
                 <c:pt idx="0">
                   <c:v>32</c:v>
                 </c:pt>
+                <c:pt idx="1">
+                  <c:v>4</c:v>
+                </c:pt>
               </c:numCache>
             </c:numRef>
           </c:val>
@@ -27450,6 +27615,9 @@
                 <c:pt idx="0">
                   <c:v>34</c:v>
                 </c:pt>
+                <c:pt idx="1">
+                  <c:v>1</c:v>
+                </c:pt>
               </c:numCache>
             </c:numRef>
           </c:val>
@@ -27937,6 +28105,9 @@
                 <c:pt idx="0">
                   <c:v>10</c:v>
                 </c:pt>
+                <c:pt idx="1">
+                  <c:v>2</c:v>
+                </c:pt>
               </c:numCache>
             </c:numRef>
           </c:val>
@@ -28424,6 +28595,9 @@
                 <c:pt idx="0">
                   <c:v>33</c:v>
                 </c:pt>
+                <c:pt idx="1">
+                  <c:v>39</c:v>
+                </c:pt>
               </c:numCache>
             </c:numRef>
           </c:val>
@@ -28911,6 +29085,9 @@
                 <c:pt idx="0">
                   <c:v>0</c:v>
                 </c:pt>
+                <c:pt idx="1">
+                  <c:v>0</c:v>
+                </c:pt>
               </c:numCache>
             </c:numRef>
           </c:val>
@@ -29398,6 +29575,9 @@
                 <c:pt idx="0">
                   <c:v>0</c:v>
                 </c:pt>
+                <c:pt idx="1">
+                  <c:v>11</c:v>
+                </c:pt>
               </c:numCache>
             </c:numRef>
           </c:val>
@@ -29885,6 +30065,9 @@
                 <c:pt idx="0">
                   <c:v>286</c:v>
                 </c:pt>
+                <c:pt idx="1">
+                  <c:v>231</c:v>
+                </c:pt>
               </c:numCache>
             </c:numRef>
           </c:val>
@@ -30371,6 +30554,9 @@
                 <c:ptCount val="12"/>
                 <c:pt idx="0">
                   <c:v>240</c:v>
+                </c:pt>
+                <c:pt idx="1">
+                  <c:v>293</c:v>
                 </c:pt>
               </c:numCache>
             </c:numRef>
@@ -33326,7 +33512,7 @@
           <a:lstStyle/>
           <a:p>
             <a:r>
-              <a:t>Data through: July 2019</a:t>
+              <a:t>Data through: August 2019</a:t>
             </a:r>
           </a:p>
           <a:p>
